--- a/PPT/PPT2020/候选码求解.pptx
+++ b/PPT/PPT2020/候选码求解.pptx
@@ -277,7 +277,7 @@
             </a:pPr>
             <a:fld id="{E6EA4655-4958-4EAD-B08A-B90487EBBCA9}" type="datetimeFigureOut">
               <a:rPr lang="zh-CN" altLang="en-US"/>
-              <a:t>2020/4/1</a:t>
+              <a:t>2020/4/13</a:t>
             </a:fld>
             <a:endParaRPr lang="en-US"/>
           </a:p>
@@ -2376,35 +2376,35 @@
           <a:p>
             <a:pPr lvl="0"/>
             <a:r>
-              <a:rPr lang="zh-CN"/>
+              <a:rPr lang="zh-CN" dirty="0"/>
               <a:t>单击此处编辑母版文本样式</a:t>
             </a:r>
           </a:p>
           <a:p>
             <a:pPr lvl="1"/>
             <a:r>
-              <a:rPr lang="zh-CN"/>
+              <a:rPr lang="zh-CN" dirty="0"/>
               <a:t>第二级</a:t>
             </a:r>
           </a:p>
           <a:p>
             <a:pPr lvl="2"/>
             <a:r>
-              <a:rPr lang="zh-CN"/>
+              <a:rPr lang="zh-CN" dirty="0"/>
               <a:t>第三级</a:t>
             </a:r>
           </a:p>
           <a:p>
             <a:pPr lvl="3"/>
             <a:r>
-              <a:rPr lang="zh-CN"/>
+              <a:rPr lang="zh-CN" dirty="0"/>
               <a:t>第四级</a:t>
             </a:r>
           </a:p>
           <a:p>
             <a:pPr lvl="4"/>
             <a:r>
-              <a:rPr lang="zh-CN"/>
+              <a:rPr lang="zh-CN" dirty="0"/>
               <a:t>第五级</a:t>
             </a:r>
           </a:p>
@@ -2452,128 +2452,6 @@
           </a:p>
         </p:txBody>
       </p:sp>
-      <p:sp>
-        <p:nvSpPr>
-          <p:cNvPr id="3080" name="WordArt 8"/>
-          <p:cNvSpPr>
-            <a:spLocks noChangeArrowheads="1" noChangeShapeType="1"/>
-          </p:cNvSpPr>
-          <p:nvPr userDrawn="1"/>
-        </p:nvSpPr>
-        <p:spPr bwMode="auto">
-          <a:xfrm rot="-1980000">
-            <a:off x="1908175" y="2205038"/>
-            <a:ext cx="5337175" cy="2976562"/>
-          </a:xfrm>
-          <a:prstGeom prst="rect">
-            <a:avLst/>
-          </a:prstGeom>
-        </p:spPr>
-        <p:txBody>
-          <a:bodyPr wrap="none" fromWordArt="1">
-            <a:prstTxWarp prst="textPlain">
-              <a:avLst>
-                <a:gd name="adj" fmla="val 50000"/>
-              </a:avLst>
-            </a:prstTxWarp>
-          </a:bodyPr>
-          <a:lstStyle/>
-          <a:p>
-            <a:pPr algn="ctr"/>
-            <a:r>
-              <a:rPr lang="zh-CN" altLang="en-US" sz="3600" kern="10">
-                <a:ln w="9525">
-                  <a:solidFill>
-                    <a:schemeClr val="bg1"/>
-                  </a:solidFill>
-                  <a:round/>
-                </a:ln>
-                <a:noFill/>
-                <a:latin typeface="华文琥珀" panose="02010800040101010101" charset="-122"/>
-                <a:ea typeface="华文琥珀" panose="02010800040101010101" charset="-122"/>
-              </a:rPr>
-              <a:t>中国人民大学</a:t>
-            </a:r>
-          </a:p>
-          <a:p>
-            <a:pPr algn="ctr"/>
-            <a:endParaRPr lang="zh-CN" altLang="en-US" sz="3600" kern="10">
-              <a:ln w="9525">
-                <a:solidFill>
-                  <a:schemeClr val="bg1"/>
-                </a:solidFill>
-                <a:round/>
-              </a:ln>
-              <a:noFill/>
-              <a:latin typeface="华文琥珀" panose="02010800040101010101" charset="-122"/>
-              <a:ea typeface="华文琥珀" panose="02010800040101010101" charset="-122"/>
-            </a:endParaRPr>
-          </a:p>
-          <a:p>
-            <a:pPr algn="ctr"/>
-            <a:endParaRPr lang="zh-CN" altLang="en-US" sz="3600" kern="10">
-              <a:ln w="9525">
-                <a:solidFill>
-                  <a:schemeClr val="bg1"/>
-                </a:solidFill>
-                <a:round/>
-              </a:ln>
-              <a:noFill/>
-              <a:latin typeface="华文琥珀" panose="02010800040101010101" charset="-122"/>
-              <a:ea typeface="华文琥珀" panose="02010800040101010101" charset="-122"/>
-            </a:endParaRPr>
-          </a:p>
-          <a:p>
-            <a:pPr algn="ctr"/>
-            <a:r>
-              <a:rPr lang="zh-CN" altLang="en-US" sz="3600" kern="10">
-                <a:ln w="9525">
-                  <a:solidFill>
-                    <a:schemeClr val="bg1"/>
-                  </a:solidFill>
-                  <a:round/>
-                </a:ln>
-                <a:noFill/>
-                <a:latin typeface="华文琥珀" panose="02010800040101010101" charset="-122"/>
-                <a:ea typeface="华文琥珀" panose="02010800040101010101" charset="-122"/>
-              </a:rPr>
-              <a:t>数据库系统概论</a:t>
-            </a:r>
-          </a:p>
-        </p:txBody>
-      </p:sp>
-      <p:pic>
-        <p:nvPicPr>
-          <p:cNvPr id="3081" name="Picture 9" descr="图片3"/>
-          <p:cNvPicPr>
-            <a:picLocks noChangeAspect="1" noChangeArrowheads="1"/>
-          </p:cNvPicPr>
-          <p:nvPr userDrawn="1"/>
-        </p:nvPicPr>
-        <p:blipFill>
-          <a:blip r:embed="rId15"/>
-          <a:srcRect/>
-          <a:stretch>
-            <a:fillRect/>
-          </a:stretch>
-        </p:blipFill>
-        <p:spPr bwMode="auto">
-          <a:xfrm>
-            <a:off x="7516813" y="4797425"/>
-            <a:ext cx="1528762" cy="2198688"/>
-          </a:xfrm>
-          <a:prstGeom prst="rect">
-            <a:avLst/>
-          </a:prstGeom>
-          <a:noFill/>
-          <a:ln w="9525">
-            <a:noFill/>
-            <a:miter lim="800000"/>
-            <a:headEnd/>
-            <a:tailEnd/>
-          </a:ln>
-        </p:spPr>
-      </p:pic>
     </p:spTree>
   </p:cSld>
   <p:clrMap bg1="lt1" tx1="dk1" bg2="lt2" tx2="dk2" accent1="accent1" accent2="accent2" accent3="accent3" accent4="accent4" accent5="accent5" accent6="accent6" hlink="hlink" folHlink="folHlink"/>
